--- a/00_Projects/개인프로젝트.pptx
+++ b/00_Projects/개인프로젝트.pptx
@@ -300,7 +300,7 @@
               <a:rPr lang="es-ES_tradnl" smtClean="0">
                 <a:latin typeface="Raleway" panose="020B0503030101060003" pitchFamily="34" charset="77"/>
               </a:rPr>
-              <a:t>01/09/2021</a:t>
+              <a:t>02/09/2021</a:t>
             </a:fld>
             <a:endParaRPr lang="es-ES_tradnl" dirty="0">
               <a:latin typeface="Raleway" panose="020B0503030101060003" pitchFamily="34" charset="77"/>
@@ -490,7 +490,7 @@
             <a:fld id="{88EDFB7E-8A14-5F4A-A8BC-FEC574E653A4}" type="datetimeFigureOut">
               <a:rPr lang="en-US" smtClean="0"/>
               <a:pPr/>
-              <a:t>9/1/2021</a:t>
+              <a:t>9/2/2021</a:t>
             </a:fld>
             <a:endParaRPr lang="en-US" dirty="0"/>
           </a:p>
@@ -1986,7 +1986,7 @@
             <a:fld id="{B50CD552-C10E-614A-B810-77E320220E26}" type="datetimeFigureOut">
               <a:rPr lang="en-US" smtClean="0"/>
               <a:pPr/>
-              <a:t>9/1/2021</a:t>
+              <a:t>9/2/2021</a:t>
             </a:fld>
             <a:endParaRPr lang="en-US" dirty="0"/>
           </a:p>
@@ -18820,7 +18820,7 @@
             <a:fld id="{B50CD552-C10E-614A-B810-77E320220E26}" type="datetimeFigureOut">
               <a:rPr lang="en-US" smtClean="0"/>
               <a:pPr/>
-              <a:t>9/1/2021</a:t>
+              <a:t>9/2/2021</a:t>
             </a:fld>
             <a:endParaRPr lang="en-US" dirty="0"/>
           </a:p>
@@ -20241,7 +20241,7 @@
         </p:nvSpPr>
         <p:spPr>
           <a:xfrm>
-            <a:off x="6575048" y="5926014"/>
+            <a:off x="3982917" y="6052972"/>
             <a:ext cx="1707519" cy="253916"/>
           </a:xfrm>
           <a:prstGeom prst="rect">
@@ -20279,14 +20279,7 @@
                 <a:latin typeface="나눔고딕" panose="020D0604000000000000" pitchFamily="50" charset="-127"/>
                 <a:ea typeface="나눔고딕" panose="020D0604000000000000" pitchFamily="50" charset="-127"/>
               </a:rPr>
-              <a:t> </a:t>
-            </a:r>
-            <a:r>
-              <a:rPr lang="ko-KR" altLang="en-US" sz="1050" b="1" dirty="0" smtClean="0">
-                <a:latin typeface="나눔고딕" panose="020D0604000000000000" pitchFamily="50" charset="-127"/>
-                <a:ea typeface="나눔고딕" panose="020D0604000000000000" pitchFamily="50" charset="-127"/>
-              </a:rPr>
-              <a:t>처리 필요</a:t>
+              <a:t> 처리 필요</a:t>
             </a:r>
             <a:endParaRPr lang="ko-KR" altLang="en-US" sz="1050" b="1" dirty="0">
               <a:latin typeface="나눔고딕" panose="020D0604000000000000" pitchFamily="50" charset="-127"/>
@@ -21273,7 +21266,7 @@
         <p:spPr>
           <a:xfrm>
             <a:off x="7482873" y="5413455"/>
-            <a:ext cx="1882152" cy="938719"/>
+            <a:ext cx="1882152" cy="656590"/>
           </a:xfrm>
           <a:prstGeom prst="rect">
             <a:avLst/>
@@ -21328,20 +21321,7 @@
                 <a:ea typeface="나눔고딕" panose="020D0604000000000000" pitchFamily="50" charset="-127"/>
                 <a:cs typeface="Lato" panose="020F0502020204030203" pitchFamily="34" charset="0"/>
               </a:rPr>
-              <a:t>다른 성적을 내는 이유는 무엇일까</a:t>
-            </a:r>
-            <a:r>
-              <a:rPr lang="en-US" altLang="ko-KR" sz="1600" b="1" dirty="0" smtClean="0">
-                <a:solidFill>
-                  <a:schemeClr val="accent1">
-                    <a:lumMod val="50000"/>
-                  </a:schemeClr>
-                </a:solidFill>
-                <a:latin typeface="나눔고딕" panose="020D0604000000000000" pitchFamily="50" charset="-127"/>
-                <a:ea typeface="나눔고딕" panose="020D0604000000000000" pitchFamily="50" charset="-127"/>
-                <a:cs typeface="Lato" panose="020F0502020204030203" pitchFamily="34" charset="0"/>
-              </a:rPr>
-              <a:t>?</a:t>
+              <a:t>다른 성적을 내는 이유</a:t>
             </a:r>
             <a:endParaRPr lang="en-US" sz="1600" b="1" dirty="0">
               <a:solidFill>
@@ -21414,7 +21394,7 @@
         <p:spPr>
           <a:xfrm>
             <a:off x="9621875" y="5362860"/>
-            <a:ext cx="1521387" cy="938719"/>
+            <a:ext cx="1521387" cy="656590"/>
           </a:xfrm>
           <a:prstGeom prst="rect">
             <a:avLst/>
@@ -21443,10 +21423,10 @@
                 <a:ea typeface="나눔고딕" panose="020D0604000000000000" pitchFamily="50" charset="-127"/>
                 <a:cs typeface="Lato" panose="020F0502020204030203" pitchFamily="34" charset="0"/>
               </a:rPr>
-              <a:t>경기의 결과를 예측해 볼 수 있지 않을까</a:t>
-            </a:r>
-            <a:r>
-              <a:rPr lang="en-US" altLang="ko-KR" sz="1600" b="1" dirty="0" smtClean="0">
+              <a:t>경기의 결과를 </a:t>
+            </a:r>
+            <a:r>
+              <a:rPr lang="ko-KR" altLang="en-US" sz="1600" b="1" dirty="0" err="1" smtClean="0">
                 <a:solidFill>
                   <a:schemeClr val="accent5">
                     <a:lumMod val="50000"/>
@@ -21456,7 +21436,7 @@
                 <a:ea typeface="나눔고딕" panose="020D0604000000000000" pitchFamily="50" charset="-127"/>
                 <a:cs typeface="Lato" panose="020F0502020204030203" pitchFamily="34" charset="0"/>
               </a:rPr>
-              <a:t>?</a:t>
+              <a:t>예측해보기</a:t>
             </a:r>
             <a:endParaRPr lang="en-US" sz="1600" b="1" dirty="0">
               <a:solidFill>
@@ -21850,14 +21830,14 @@
           </a:ln>
           <a:extLst>
             <a:ext uri="{909E8E84-426E-40dd-AFC4-6F175D3DCCD1}">
-              <a14:hiddenFill xmlns="" xmlns:a14="http://schemas.microsoft.com/office/drawing/2010/main">
+              <a14:hiddenFill xmlns:a14="http://schemas.microsoft.com/office/drawing/2010/main" xmlns="">
                 <a:solidFill>
                   <a:srgbClr val="FFFFFF"/>
                 </a:solidFill>
               </a14:hiddenFill>
             </a:ext>
             <a:ext uri="{91240B29-F687-4f45-9708-019B960494DF}">
-              <a14:hiddenLine xmlns="" xmlns:a14="http://schemas.microsoft.com/office/drawing/2010/main" w="12700">
+              <a14:hiddenLine xmlns:a14="http://schemas.microsoft.com/office/drawing/2010/main" xmlns="" w="12700">
                 <a:solidFill>
                   <a:schemeClr val="tx1"/>
                 </a:solidFill>
@@ -21885,19 +21865,7 @@
                 <a:cs typeface="Poppins" pitchFamily="2" charset="77"/>
                 <a:sym typeface="Bebas Neue" charset="0"/>
               </a:rPr>
-              <a:t>기술통계분석 및 </a:t>
-            </a:r>
-            <a:r>
-              <a:rPr lang="ko-KR" altLang="en-US" sz="4000" b="1" dirty="0" smtClean="0">
-                <a:solidFill>
-                  <a:schemeClr val="tx2"/>
-                </a:solidFill>
-                <a:latin typeface="나눔고딕" panose="020D0604000000000000" pitchFamily="50" charset="-127"/>
-                <a:ea typeface="나눔고딕" panose="020D0604000000000000" pitchFamily="50" charset="-127"/>
-                <a:cs typeface="Poppins" pitchFamily="2" charset="77"/>
-                <a:sym typeface="Bebas Neue" charset="0"/>
-              </a:rPr>
-              <a:t>예측</a:t>
+              <a:t>기술통계분석 및 예측</a:t>
             </a:r>
             <a:endParaRPr lang="en-US" sz="4000" b="1" dirty="0">
               <a:solidFill>
@@ -22338,14 +22306,7 @@
                 <a:latin typeface="나눔고딕" panose="020D0604000000000000" pitchFamily="50" charset="-127"/>
                 <a:ea typeface="나눔고딕" panose="020D0604000000000000" pitchFamily="50" charset="-127"/>
               </a:rPr>
-              <a:t>별로 </a:t>
-            </a:r>
-            <a:r>
-              <a:rPr lang="ko-KR" altLang="en-US" sz="1200" b="1" dirty="0" smtClean="0">
-                <a:latin typeface="나눔고딕" panose="020D0604000000000000" pitchFamily="50" charset="-127"/>
-                <a:ea typeface="나눔고딕" panose="020D0604000000000000" pitchFamily="50" charset="-127"/>
-              </a:rPr>
-              <a:t>데이터를 추출하고</a:t>
+              <a:t>별로 데이터를 추출하고</a:t>
             </a:r>
             <a:endParaRPr lang="en-US" altLang="ko-KR" sz="1200" b="1" dirty="0" smtClean="0">
               <a:latin typeface="나눔고딕" panose="020D0604000000000000" pitchFamily="50" charset="-127"/>
@@ -22358,21 +22319,7 @@
                 <a:latin typeface="나눔고딕" panose="020D0604000000000000" pitchFamily="50" charset="-127"/>
                 <a:ea typeface="나눔고딕" panose="020D0604000000000000" pitchFamily="50" charset="-127"/>
               </a:rPr>
-              <a:t>필요한 데이터 열만 가져와서 </a:t>
-            </a:r>
-            <a:r>
-              <a:rPr lang="ko-KR" altLang="en-US" sz="1200" b="1" dirty="0" smtClean="0">
-                <a:latin typeface="나눔고딕" panose="020D0604000000000000" pitchFamily="50" charset="-127"/>
-                <a:ea typeface="나눔고딕" panose="020D0604000000000000" pitchFamily="50" charset="-127"/>
-              </a:rPr>
-              <a:t>데이터프레임을 </a:t>
-            </a:r>
-            <a:r>
-              <a:rPr lang="ko-KR" altLang="en-US" sz="1200" b="1" dirty="0" smtClean="0">
-                <a:latin typeface="나눔고딕" panose="020D0604000000000000" pitchFamily="50" charset="-127"/>
-                <a:ea typeface="나눔고딕" panose="020D0604000000000000" pitchFamily="50" charset="-127"/>
-              </a:rPr>
-              <a:t>생성</a:t>
+              <a:t>필요한 데이터 열만 가져와서 데이터프레임을 생성</a:t>
             </a:r>
             <a:endParaRPr lang="ko-KR" altLang="en-US" sz="1200" b="1" dirty="0">
               <a:latin typeface="나눔고딕" panose="020D0604000000000000" pitchFamily="50" charset="-127"/>
@@ -22899,21 +22846,7 @@
                 <a:latin typeface="나눔고딕" panose="020D0604000000000000" pitchFamily="50" charset="-127"/>
                 <a:ea typeface="나눔고딕" panose="020D0604000000000000" pitchFamily="50" charset="-127"/>
               </a:rPr>
-              <a:t>명이 상위에 이름을 올리고 있다는 것을 </a:t>
-            </a:r>
-            <a:r>
-              <a:rPr lang="ko-KR" altLang="en-US" sz="1400" dirty="0" smtClean="0">
-                <a:latin typeface="나눔고딕" panose="020D0604000000000000" pitchFamily="50" charset="-127"/>
-                <a:ea typeface="나눔고딕" panose="020D0604000000000000" pitchFamily="50" charset="-127"/>
-              </a:rPr>
-              <a:t>확인 할 수 </a:t>
-            </a:r>
-            <a:r>
-              <a:rPr lang="ko-KR" altLang="en-US" sz="1400" dirty="0" smtClean="0">
-                <a:latin typeface="나눔고딕" panose="020D0604000000000000" pitchFamily="50" charset="-127"/>
-                <a:ea typeface="나눔고딕" panose="020D0604000000000000" pitchFamily="50" charset="-127"/>
-              </a:rPr>
-              <a:t>있었다</a:t>
+              <a:t>명이 상위에 이름을 올리고 있다는 것을 확인 할 수 있었다</a:t>
             </a:r>
             <a:r>
               <a:rPr lang="en-US" altLang="ko-KR" sz="1400" dirty="0" smtClean="0">
@@ -22943,10 +22876,6 @@
               </a:rPr>
               <a:t>?</a:t>
             </a:r>
-            <a:endParaRPr lang="en-US" altLang="ko-KR" sz="1400" dirty="0" smtClean="0">
-              <a:latin typeface="나눔고딕" panose="020D0604000000000000" pitchFamily="50" charset="-127"/>
-              <a:ea typeface="나눔고딕" panose="020D0604000000000000" pitchFamily="50" charset="-127"/>
-            </a:endParaRPr>
           </a:p>
         </p:txBody>
       </p:sp>
@@ -23502,7 +23431,7 @@
             <a:pPr algn="ctr"/>
             <a:r>
               <a:rPr lang="ko-KR" altLang="en-US" dirty="0" smtClean="0"/>
-              <a:t>증명사진 입력</a:t>
+              <a:t>증명사진 넣을 예정</a:t>
             </a:r>
             <a:endParaRPr lang="ko-KR" altLang="en-US" dirty="0"/>
           </a:p>
@@ -23809,14 +23738,7 @@
                 <a:latin typeface="나눔고딕" panose="020D0604000000000000" pitchFamily="50" charset="-127"/>
                 <a:ea typeface="나눔고딕" panose="020D0604000000000000" pitchFamily="50" charset="-127"/>
               </a:rPr>
-              <a:t>선수는 </a:t>
-            </a:r>
-            <a:r>
-              <a:rPr lang="ko-KR" altLang="en-US" sz="1600" dirty="0" smtClean="0">
-                <a:latin typeface="나눔고딕" panose="020D0604000000000000" pitchFamily="50" charset="-127"/>
-                <a:ea typeface="나눔고딕" panose="020D0604000000000000" pitchFamily="50" charset="-127"/>
-              </a:rPr>
-              <a:t>좋은 </a:t>
+              <a:t>선수는 좋은 </a:t>
             </a:r>
             <a:r>
               <a:rPr lang="ko-KR" altLang="en-US" sz="1600" dirty="0" err="1" smtClean="0">
@@ -23830,14 +23752,7 @@
                 <a:latin typeface="나눔고딕" panose="020D0604000000000000" pitchFamily="50" charset="-127"/>
                 <a:ea typeface="나눔고딕" panose="020D0604000000000000" pitchFamily="50" charset="-127"/>
               </a:rPr>
-              <a:t> </a:t>
-            </a:r>
-            <a:r>
-              <a:rPr lang="ko-KR" altLang="en-US" sz="1600" dirty="0" smtClean="0">
-                <a:latin typeface="나눔고딕" panose="020D0604000000000000" pitchFamily="50" charset="-127"/>
-                <a:ea typeface="나눔고딕" panose="020D0604000000000000" pitchFamily="50" charset="-127"/>
-              </a:rPr>
-              <a:t>판단되어지기 힘들다</a:t>
+              <a:t> 판단되어지기 힘들다</a:t>
             </a:r>
             <a:r>
               <a:rPr lang="en-US" altLang="ko-KR" sz="1600" dirty="0" smtClean="0">
@@ -27861,14 +27776,7 @@
                 <a:latin typeface="나눔고딕" panose="020D0604000000000000" pitchFamily="50" charset="-127"/>
                 <a:ea typeface="나눔고딕" panose="020D0604000000000000" pitchFamily="50" charset="-127"/>
               </a:rPr>
-              <a:t>분석에 필요한 </a:t>
-            </a:r>
-            <a:r>
-              <a:rPr lang="ko-KR" altLang="en-US" b="1" dirty="0" smtClean="0">
-                <a:latin typeface="나눔고딕" panose="020D0604000000000000" pitchFamily="50" charset="-127"/>
-                <a:ea typeface="나눔고딕" panose="020D0604000000000000" pitchFamily="50" charset="-127"/>
-              </a:rPr>
-              <a:t>열</a:t>
+              <a:t>분석에 필요한 열</a:t>
             </a:r>
             <a:r>
               <a:rPr lang="en-US" altLang="ko-KR" b="1" dirty="0" smtClean="0">
@@ -27910,14 +27818,7 @@
                 <a:latin typeface="나눔고딕" panose="020D0604000000000000" pitchFamily="50" charset="-127"/>
                 <a:ea typeface="나눔고딕" panose="020D0604000000000000" pitchFamily="50" charset="-127"/>
               </a:rPr>
-              <a:t>을 </a:t>
-            </a:r>
-            <a:r>
-              <a:rPr lang="ko-KR" altLang="en-US" b="1" dirty="0" smtClean="0">
-                <a:latin typeface="나눔고딕" panose="020D0604000000000000" pitchFamily="50" charset="-127"/>
-                <a:ea typeface="나눔고딕" panose="020D0604000000000000" pitchFamily="50" charset="-127"/>
-              </a:rPr>
-              <a:t>추출하여 데이터프레임 생성</a:t>
+              <a:t>을 추출하여 데이터프레임 생성</a:t>
             </a:r>
             <a:endParaRPr lang="ko-KR" altLang="en-US" b="1" dirty="0">
               <a:latin typeface="나눔고딕" panose="020D0604000000000000" pitchFamily="50" charset="-127"/>
@@ -27993,14 +27894,7 @@
                 <a:latin typeface="나눔고딕" panose="020D0604000000000000" pitchFamily="50" charset="-127"/>
                 <a:ea typeface="나눔고딕" panose="020D0604000000000000" pitchFamily="50" charset="-127"/>
               </a:rPr>
-              <a:t>내림차순 </a:t>
-            </a:r>
-            <a:r>
-              <a:rPr lang="ko-KR" altLang="en-US" b="1" dirty="0" smtClean="0">
-                <a:latin typeface="나눔고딕" panose="020D0604000000000000" pitchFamily="50" charset="-127"/>
-                <a:ea typeface="나눔고딕" panose="020D0604000000000000" pitchFamily="50" charset="-127"/>
-              </a:rPr>
-              <a:t>하여 상위 </a:t>
+              <a:t>내림차순 하여 상위 </a:t>
             </a:r>
             <a:r>
               <a:rPr lang="en-US" altLang="ko-KR" b="1" dirty="0" smtClean="0">
@@ -28014,14 +27908,7 @@
                 <a:latin typeface="나눔고딕" panose="020D0604000000000000" pitchFamily="50" charset="-127"/>
                 <a:ea typeface="나눔고딕" panose="020D0604000000000000" pitchFamily="50" charset="-127"/>
               </a:rPr>
-              <a:t>팀만 </a:t>
-            </a:r>
-            <a:r>
-              <a:rPr lang="ko-KR" altLang="en-US" b="1" dirty="0" smtClean="0">
-                <a:latin typeface="나눔고딕" panose="020D0604000000000000" pitchFamily="50" charset="-127"/>
-                <a:ea typeface="나눔고딕" panose="020D0604000000000000" pitchFamily="50" charset="-127"/>
-              </a:rPr>
-              <a:t>선정</a:t>
+              <a:t>팀만 선정</a:t>
             </a:r>
             <a:endParaRPr lang="ko-KR" altLang="en-US" b="1" dirty="0">
               <a:latin typeface="나눔고딕" panose="020D0604000000000000" pitchFamily="50" charset="-127"/>
@@ -28143,14 +28030,7 @@
                 <a:latin typeface="나눔고딕" panose="020D0604000000000000" pitchFamily="50" charset="-127"/>
                 <a:ea typeface="나눔고딕" panose="020D0604000000000000" pitchFamily="50" charset="-127"/>
               </a:rPr>
-              <a:t>에서 분석한 </a:t>
-            </a:r>
-            <a:r>
-              <a:rPr lang="ko-KR" altLang="en-US" sz="1200" b="1" dirty="0" smtClean="0">
-                <a:latin typeface="나눔고딕" panose="020D0604000000000000" pitchFamily="50" charset="-127"/>
-                <a:ea typeface="나눔고딕" panose="020D0604000000000000" pitchFamily="50" charset="-127"/>
-              </a:rPr>
-              <a:t>국가 비율</a:t>
+              <a:t>에서 분석한 국가 비율</a:t>
             </a:r>
             <a:endParaRPr lang="ko-KR" altLang="en-US" sz="1200" b="1" dirty="0">
               <a:latin typeface="나눔고딕" panose="020D0604000000000000" pitchFamily="50" charset="-127"/>
@@ -28428,21 +28308,7 @@
                 <a:latin typeface="나눔고딕" panose="020D0604000000000000" pitchFamily="50" charset="-127"/>
                 <a:ea typeface="나눔고딕" panose="020D0604000000000000" pitchFamily="50" charset="-127"/>
               </a:rPr>
-              <a:t>데이터가 나머지 팀들 </a:t>
-            </a:r>
-            <a:r>
-              <a:rPr lang="ko-KR" altLang="en-US" sz="1400" dirty="0" smtClean="0">
-                <a:latin typeface="나눔고딕" panose="020D0604000000000000" pitchFamily="50" charset="-127"/>
-                <a:ea typeface="나눔고딕" panose="020D0604000000000000" pitchFamily="50" charset="-127"/>
-              </a:rPr>
-              <a:t>보다 </a:t>
-            </a:r>
-            <a:r>
-              <a:rPr lang="ko-KR" altLang="en-US" sz="1400" dirty="0" smtClean="0">
-                <a:latin typeface="나눔고딕" panose="020D0604000000000000" pitchFamily="50" charset="-127"/>
-                <a:ea typeface="나눔고딕" panose="020D0604000000000000" pitchFamily="50" charset="-127"/>
-              </a:rPr>
-              <a:t>확연히 다른</a:t>
+              <a:t>데이터가 나머지 팀들 보다 확연히 다른</a:t>
             </a:r>
             <a:endParaRPr lang="en-US" altLang="ko-KR" sz="1400" dirty="0" smtClean="0">
               <a:latin typeface="나눔고딕" panose="020D0604000000000000" pitchFamily="50" charset="-127"/>
@@ -28460,21 +28326,7 @@
                 <a:latin typeface="나눔고딕" panose="020D0604000000000000" pitchFamily="50" charset="-127"/>
                 <a:ea typeface="나눔고딕" panose="020D0604000000000000" pitchFamily="50" charset="-127"/>
               </a:rPr>
-              <a:t> </a:t>
-            </a:r>
-            <a:r>
-              <a:rPr lang="ko-KR" altLang="en-US" sz="1400" dirty="0" smtClean="0">
-                <a:latin typeface="나눔고딕" panose="020D0604000000000000" pitchFamily="50" charset="-127"/>
-                <a:ea typeface="나눔고딕" panose="020D0604000000000000" pitchFamily="50" charset="-127"/>
-              </a:rPr>
-              <a:t>한 팀을 확인 할 수 </a:t>
-            </a:r>
-            <a:r>
-              <a:rPr lang="ko-KR" altLang="en-US" sz="1400" dirty="0" smtClean="0">
-                <a:latin typeface="나눔고딕" panose="020D0604000000000000" pitchFamily="50" charset="-127"/>
-                <a:ea typeface="나눔고딕" panose="020D0604000000000000" pitchFamily="50" charset="-127"/>
-              </a:rPr>
-              <a:t>있었다</a:t>
+              <a:t> 한 팀을 확인 할 수 있었다</a:t>
             </a:r>
             <a:r>
               <a:rPr lang="en-US" altLang="ko-KR" sz="1400" dirty="0" smtClean="0">
@@ -29118,18 +28970,7 @@
                 <a:ea typeface="나눔고딕" panose="020D0604000000000000" pitchFamily="50" charset="-127"/>
                 <a:cs typeface="Mukta SemiBold" panose="020B0000000000000000" pitchFamily="34" charset="77"/>
               </a:rPr>
-              <a:t>데이터 </a:t>
-            </a:r>
-            <a:r>
-              <a:rPr lang="ko-KR" altLang="en-US" sz="4000" b="1" dirty="0" smtClean="0">
-                <a:solidFill>
-                  <a:schemeClr val="tx2"/>
-                </a:solidFill>
-                <a:latin typeface="나눔고딕" panose="020D0604000000000000" pitchFamily="50" charset="-127"/>
-                <a:ea typeface="나눔고딕" panose="020D0604000000000000" pitchFamily="50" charset="-127"/>
-                <a:cs typeface="Mukta SemiBold" panose="020B0000000000000000" pitchFamily="34" charset="77"/>
-              </a:rPr>
-              <a:t>준비</a:t>
+              <a:t>데이터 준비</a:t>
             </a:r>
             <a:endParaRPr lang="en-US" sz="4000" b="1" dirty="0">
               <a:solidFill>
@@ -29715,15 +29556,7 @@
                 <a:ea typeface="나눔고딕" panose="020D0604000000000000" pitchFamily="50" charset="-127"/>
                 <a:cs typeface="Abhaya Libre" panose="02000603000000000000" pitchFamily="2" charset="77"/>
               </a:rPr>
-              <a:t>훈련셋</a:t>
-            </a:r>
-            <a:r>
-              <a:rPr lang="ko-KR" altLang="en-US" sz="1400" b="1" dirty="0" err="1" smtClean="0">
-                <a:latin typeface="나눔고딕" panose="020D0604000000000000" pitchFamily="50" charset="-127"/>
-                <a:ea typeface="나눔고딕" panose="020D0604000000000000" pitchFamily="50" charset="-127"/>
-                <a:cs typeface="Abhaya Libre" panose="02000603000000000000" pitchFamily="2" charset="77"/>
-              </a:rPr>
-              <a:t>과</a:t>
+              <a:t>훈련셋과</a:t>
             </a:r>
             <a:r>
               <a:rPr lang="ko-KR" altLang="en-US" sz="1400" b="1" dirty="0" smtClean="0">
@@ -30611,15 +30444,7 @@
                 <a:ea typeface="나눔고딕" panose="020D0604000000000000" pitchFamily="50" charset="-127"/>
                 <a:cs typeface="Abhaya Libre" panose="02000603000000000000" pitchFamily="2" charset="77"/>
               </a:rPr>
-              <a:t>contact</a:t>
-            </a:r>
-            <a:r>
-              <a:rPr lang="en-US" sz="2200" dirty="0" smtClean="0">
-                <a:latin typeface="나눔고딕" panose="020D0604000000000000" pitchFamily="50" charset="-127"/>
-                <a:ea typeface="나눔고딕" panose="020D0604000000000000" pitchFamily="50" charset="-127"/>
-                <a:cs typeface="Abhaya Libre" panose="02000603000000000000" pitchFamily="2" charset="77"/>
-              </a:rPr>
-              <a:t> </a:t>
+              <a:t>contact </a:t>
             </a:r>
             <a:r>
               <a:rPr lang="en-US" sz="2200" dirty="0">
@@ -30689,18 +30514,7 @@
                 <a:ea typeface="나눔고딕" panose="020D0604000000000000" pitchFamily="50" charset="-127"/>
                 <a:cs typeface="Arima Madurai Light" pitchFamily="2" charset="77"/>
               </a:rPr>
-              <a:t>있으시다면 </a:t>
-            </a:r>
-            <a:r>
-              <a:rPr lang="ko-KR" altLang="en-US" sz="2400" smtClean="0">
-                <a:solidFill>
-                  <a:schemeClr val="tx2"/>
-                </a:solidFill>
-                <a:latin typeface="나눔고딕" panose="020D0604000000000000" pitchFamily="50" charset="-127"/>
-                <a:ea typeface="나눔고딕" panose="020D0604000000000000" pitchFamily="50" charset="-127"/>
-                <a:cs typeface="Arima Madurai Light" pitchFamily="2" charset="77"/>
-              </a:rPr>
-              <a:t>열심히 </a:t>
+              <a:t>있으시다면 열심히 </a:t>
             </a:r>
             <a:r>
               <a:rPr lang="ko-KR" altLang="en-US" sz="2400" dirty="0" smtClean="0">
@@ -32622,11 +32436,7 @@
             </a:r>
             <a:r>
               <a:rPr lang="en-US" altLang="ko-KR" sz="2800" b="1" dirty="0" smtClean="0"/>
-              <a:t>, </a:t>
-            </a:r>
-            <a:r>
-              <a:rPr lang="en-US" altLang="ko-KR" sz="2800" b="1" dirty="0" smtClean="0"/>
-              <a:t>…</a:t>
+              <a:t>, …</a:t>
             </a:r>
             <a:endParaRPr lang="en-US" altLang="ko-KR" sz="2800" dirty="0"/>
           </a:p>
@@ -45601,7 +45411,7 @@
         <p:spPr>
           <a:xfrm>
             <a:off x="2367405" y="2795955"/>
-            <a:ext cx="2169426" cy="553914"/>
+            <a:ext cx="1694641" cy="553914"/>
           </a:xfrm>
           <a:prstGeom prst="rightArrow">
             <a:avLst/>
@@ -45823,7 +45633,7 @@
         <p:spPr>
           <a:xfrm>
             <a:off x="4062046" y="3448672"/>
-            <a:ext cx="1916125" cy="553915"/>
+            <a:ext cx="2478240" cy="553915"/>
           </a:xfrm>
           <a:prstGeom prst="rightArrow">
             <a:avLst/>
@@ -46033,8 +45843,8 @@
         </p:nvSpPr>
         <p:spPr>
           <a:xfrm>
-            <a:off x="5692964" y="4879180"/>
-            <a:ext cx="2369582" cy="444234"/>
+            <a:off x="5692963" y="4879180"/>
+            <a:ext cx="3481753" cy="444234"/>
           </a:xfrm>
           <a:prstGeom prst="rightArrow">
             <a:avLst/>
@@ -46103,7 +45913,7 @@
         <p:spPr>
           <a:xfrm>
             <a:off x="5692964" y="4544470"/>
-            <a:ext cx="1991513" cy="481070"/>
+            <a:ext cx="2606974" cy="481070"/>
           </a:xfrm>
           <a:prstGeom prst="rightArrow">
             <a:avLst/>
@@ -46320,8 +46130,8 @@
         </p:nvSpPr>
         <p:spPr>
           <a:xfrm>
-            <a:off x="8299938" y="5889750"/>
-            <a:ext cx="1705556" cy="553914"/>
+            <a:off x="8299938" y="5957894"/>
+            <a:ext cx="1705556" cy="417625"/>
           </a:xfrm>
           <a:prstGeom prst="rightArrow">
             <a:avLst/>
